--- a/FINAL REPORT/CIS434 Project Presentation.pptx
+++ b/FINAL REPORT/CIS434 Project Presentation.pptx
@@ -303,7 +303,7 @@
           <a:p>
             <a:fld id="{E36813AB-CC3A-4F77-A52E-D5F44D60AF1B}" type="datetimeFigureOut">
               <a:rPr lang="en-US" smtClean="0"/>
-              <a:t>4/16/2019</a:t>
+              <a:t>4/23/2019</a:t>
             </a:fld>
             <a:endParaRPr lang="en-US"/>
           </a:p>
@@ -578,7 +578,7 @@
           <a:p>
             <a:fld id="{E36813AB-CC3A-4F77-A52E-D5F44D60AF1B}" type="datetimeFigureOut">
               <a:rPr lang="en-US" smtClean="0"/>
-              <a:t>4/16/2019</a:t>
+              <a:t>4/23/2019</a:t>
             </a:fld>
             <a:endParaRPr lang="en-US"/>
           </a:p>
@@ -772,7 +772,7 @@
           <a:p>
             <a:fld id="{E36813AB-CC3A-4F77-A52E-D5F44D60AF1B}" type="datetimeFigureOut">
               <a:rPr lang="en-US" smtClean="0"/>
-              <a:t>4/16/2019</a:t>
+              <a:t>4/23/2019</a:t>
             </a:fld>
             <a:endParaRPr lang="en-US"/>
           </a:p>
@@ -1045,7 +1045,7 @@
           <a:p>
             <a:fld id="{E36813AB-CC3A-4F77-A52E-D5F44D60AF1B}" type="datetimeFigureOut">
               <a:rPr lang="en-US" smtClean="0"/>
-              <a:t>4/16/2019</a:t>
+              <a:t>4/23/2019</a:t>
             </a:fld>
             <a:endParaRPr lang="en-US"/>
           </a:p>
@@ -1386,7 +1386,7 @@
           <a:p>
             <a:fld id="{E36813AB-CC3A-4F77-A52E-D5F44D60AF1B}" type="datetimeFigureOut">
               <a:rPr lang="en-US" smtClean="0"/>
-              <a:t>4/16/2019</a:t>
+              <a:t>4/23/2019</a:t>
             </a:fld>
             <a:endParaRPr lang="en-US"/>
           </a:p>
@@ -2009,7 +2009,7 @@
           <a:p>
             <a:fld id="{E36813AB-CC3A-4F77-A52E-D5F44D60AF1B}" type="datetimeFigureOut">
               <a:rPr lang="en-US" smtClean="0"/>
-              <a:t>4/16/2019</a:t>
+              <a:t>4/23/2019</a:t>
             </a:fld>
             <a:endParaRPr lang="en-US"/>
           </a:p>
@@ -2869,7 +2869,7 @@
           <a:p>
             <a:fld id="{E36813AB-CC3A-4F77-A52E-D5F44D60AF1B}" type="datetimeFigureOut">
               <a:rPr lang="en-US" smtClean="0"/>
-              <a:t>4/16/2019</a:t>
+              <a:t>4/23/2019</a:t>
             </a:fld>
             <a:endParaRPr lang="en-US"/>
           </a:p>
@@ -3039,7 +3039,7 @@
           <a:p>
             <a:fld id="{E36813AB-CC3A-4F77-A52E-D5F44D60AF1B}" type="datetimeFigureOut">
               <a:rPr lang="en-US" smtClean="0"/>
-              <a:t>4/16/2019</a:t>
+              <a:t>4/23/2019</a:t>
             </a:fld>
             <a:endParaRPr lang="en-US"/>
           </a:p>
@@ -3219,7 +3219,7 @@
           <a:p>
             <a:fld id="{E36813AB-CC3A-4F77-A52E-D5F44D60AF1B}" type="datetimeFigureOut">
               <a:rPr lang="en-US" smtClean="0"/>
-              <a:t>4/16/2019</a:t>
+              <a:t>4/23/2019</a:t>
             </a:fld>
             <a:endParaRPr lang="en-US"/>
           </a:p>
@@ -3389,7 +3389,7 @@
           <a:p>
             <a:fld id="{E36813AB-CC3A-4F77-A52E-D5F44D60AF1B}" type="datetimeFigureOut">
               <a:rPr lang="en-US" smtClean="0"/>
-              <a:t>4/16/2019</a:t>
+              <a:t>4/23/2019</a:t>
             </a:fld>
             <a:endParaRPr lang="en-US"/>
           </a:p>
@@ -3636,7 +3636,7 @@
           <a:p>
             <a:fld id="{E36813AB-CC3A-4F77-A52E-D5F44D60AF1B}" type="datetimeFigureOut">
               <a:rPr lang="en-US" smtClean="0"/>
-              <a:t>4/16/2019</a:t>
+              <a:t>4/23/2019</a:t>
             </a:fld>
             <a:endParaRPr lang="en-US"/>
           </a:p>
@@ -3928,7 +3928,7 @@
           <a:p>
             <a:fld id="{E36813AB-CC3A-4F77-A52E-D5F44D60AF1B}" type="datetimeFigureOut">
               <a:rPr lang="en-US" smtClean="0"/>
-              <a:t>4/16/2019</a:t>
+              <a:t>4/23/2019</a:t>
             </a:fld>
             <a:endParaRPr lang="en-US"/>
           </a:p>
@@ -4372,7 +4372,7 @@
           <a:p>
             <a:fld id="{E36813AB-CC3A-4F77-A52E-D5F44D60AF1B}" type="datetimeFigureOut">
               <a:rPr lang="en-US" smtClean="0"/>
-              <a:t>4/16/2019</a:t>
+              <a:t>4/23/2019</a:t>
             </a:fld>
             <a:endParaRPr lang="en-US"/>
           </a:p>
@@ -4490,7 +4490,7 @@
           <a:p>
             <a:fld id="{E36813AB-CC3A-4F77-A52E-D5F44D60AF1B}" type="datetimeFigureOut">
               <a:rPr lang="en-US" smtClean="0"/>
-              <a:t>4/16/2019</a:t>
+              <a:t>4/23/2019</a:t>
             </a:fld>
             <a:endParaRPr lang="en-US"/>
           </a:p>
@@ -4585,7 +4585,7 @@
           <a:p>
             <a:fld id="{E36813AB-CC3A-4F77-A52E-D5F44D60AF1B}" type="datetimeFigureOut">
               <a:rPr lang="en-US" smtClean="0"/>
-              <a:t>4/16/2019</a:t>
+              <a:t>4/23/2019</a:t>
             </a:fld>
             <a:endParaRPr lang="en-US"/>
           </a:p>
@@ -4864,7 +4864,7 @@
           <a:p>
             <a:fld id="{E36813AB-CC3A-4F77-A52E-D5F44D60AF1B}" type="datetimeFigureOut">
               <a:rPr lang="en-US" smtClean="0"/>
-              <a:t>4/16/2019</a:t>
+              <a:t>4/23/2019</a:t>
             </a:fld>
             <a:endParaRPr lang="en-US"/>
           </a:p>
@@ -5139,7 +5139,7 @@
           <a:p>
             <a:fld id="{E36813AB-CC3A-4F77-A52E-D5F44D60AF1B}" type="datetimeFigureOut">
               <a:rPr lang="en-US" smtClean="0"/>
-              <a:t>4/16/2019</a:t>
+              <a:t>4/23/2019</a:t>
             </a:fld>
             <a:endParaRPr lang="en-US"/>
           </a:p>
@@ -5568,7 +5568,7 @@
           <a:p>
             <a:fld id="{E36813AB-CC3A-4F77-A52E-D5F44D60AF1B}" type="datetimeFigureOut">
               <a:rPr lang="en-US" smtClean="0"/>
-              <a:t>4/16/2019</a:t>
+              <a:t>4/23/2019</a:t>
             </a:fld>
             <a:endParaRPr lang="en-US"/>
           </a:p>
@@ -7185,196 +7185,6 @@
   <p:clrMapOvr>
     <a:masterClrMapping/>
   </p:clrMapOvr>
-  <p:timing>
-    <p:tnLst>
-      <p:par>
-        <p:cTn id="1" dur="indefinite" restart="never" nodeType="tmRoot">
-          <p:childTnLst>
-            <p:seq concurrent="1" nextAc="seek">
-              <p:cTn id="2" dur="indefinite" nodeType="mainSeq">
-                <p:childTnLst>
-                  <p:par>
-                    <p:cTn id="3" fill="hold">
-                      <p:stCondLst>
-                        <p:cond delay="indefinite"/>
-                      </p:stCondLst>
-                      <p:childTnLst>
-                        <p:par>
-                          <p:cTn id="4" fill="hold">
-                            <p:stCondLst>
-                              <p:cond delay="0"/>
-                            </p:stCondLst>
-                            <p:childTnLst>
-                              <p:par>
-                                <p:cTn id="5" presetID="10" presetClass="entr" presetSubtype="0" fill="hold" grpId="0" nodeType="clickEffect">
-                                  <p:stCondLst>
-                                    <p:cond delay="0"/>
-                                  </p:stCondLst>
-                                  <p:childTnLst>
-                                    <p:set>
-                                      <p:cBhvr>
-                                        <p:cTn id="6" dur="1" fill="hold">
-                                          <p:stCondLst>
-                                            <p:cond delay="0"/>
-                                          </p:stCondLst>
-                                        </p:cTn>
-                                        <p:tgtEl>
-                                          <p:spTgt spid="2"/>
-                                        </p:tgtEl>
-                                        <p:attrNameLst>
-                                          <p:attrName>style.visibility</p:attrName>
-                                        </p:attrNameLst>
-                                      </p:cBhvr>
-                                      <p:to>
-                                        <p:strVal val="visible"/>
-                                      </p:to>
-                                    </p:set>
-                                    <p:animEffect transition="in" filter="fade">
-                                      <p:cBhvr>
-                                        <p:cTn id="7" dur="500"/>
-                                        <p:tgtEl>
-                                          <p:spTgt spid="2"/>
-                                        </p:tgtEl>
-                                      </p:cBhvr>
-                                    </p:animEffect>
-                                  </p:childTnLst>
-                                </p:cTn>
-                              </p:par>
-                            </p:childTnLst>
-                          </p:cTn>
-                        </p:par>
-                      </p:childTnLst>
-                    </p:cTn>
-                  </p:par>
-                  <p:par>
-                    <p:cTn id="8" fill="hold">
-                      <p:stCondLst>
-                        <p:cond delay="indefinite"/>
-                      </p:stCondLst>
-                      <p:childTnLst>
-                        <p:par>
-                          <p:cTn id="9" fill="hold">
-                            <p:stCondLst>
-                              <p:cond delay="0"/>
-                            </p:stCondLst>
-                            <p:childTnLst>
-                              <p:par>
-                                <p:cTn id="10" presetID="10" presetClass="entr" presetSubtype="0" fill="hold" nodeType="clickEffect">
-                                  <p:stCondLst>
-                                    <p:cond delay="0"/>
-                                  </p:stCondLst>
-                                  <p:childTnLst>
-                                    <p:set>
-                                      <p:cBhvr>
-                                        <p:cTn id="11" dur="1" fill="hold">
-                                          <p:stCondLst>
-                                            <p:cond delay="0"/>
-                                          </p:stCondLst>
-                                        </p:cTn>
-                                        <p:tgtEl>
-                                          <p:spTgt spid="3">
-                                            <p:txEl>
-                                              <p:pRg st="0" end="0"/>
-                                            </p:txEl>
-                                          </p:spTgt>
-                                        </p:tgtEl>
-                                        <p:attrNameLst>
-                                          <p:attrName>style.visibility</p:attrName>
-                                        </p:attrNameLst>
-                                      </p:cBhvr>
-                                      <p:to>
-                                        <p:strVal val="visible"/>
-                                      </p:to>
-                                    </p:set>
-                                    <p:animEffect transition="in" filter="fade">
-                                      <p:cBhvr>
-                                        <p:cTn id="12" dur="500"/>
-                                        <p:tgtEl>
-                                          <p:spTgt spid="3">
-                                            <p:txEl>
-                                              <p:pRg st="0" end="0"/>
-                                            </p:txEl>
-                                          </p:spTgt>
-                                        </p:tgtEl>
-                                      </p:cBhvr>
-                                    </p:animEffect>
-                                  </p:childTnLst>
-                                </p:cTn>
-                              </p:par>
-                              <p:par>
-                                <p:cTn id="13" presetID="10" presetClass="entr" presetSubtype="0" fill="hold" nodeType="withEffect">
-                                  <p:stCondLst>
-                                    <p:cond delay="0"/>
-                                  </p:stCondLst>
-                                  <p:childTnLst>
-                                    <p:set>
-                                      <p:cBhvr>
-                                        <p:cTn id="14" dur="1" fill="hold">
-                                          <p:stCondLst>
-                                            <p:cond delay="0"/>
-                                          </p:stCondLst>
-                                        </p:cTn>
-                                        <p:tgtEl>
-                                          <p:spTgt spid="3">
-                                            <p:txEl>
-                                              <p:pRg st="1" end="1"/>
-                                            </p:txEl>
-                                          </p:spTgt>
-                                        </p:tgtEl>
-                                        <p:attrNameLst>
-                                          <p:attrName>style.visibility</p:attrName>
-                                        </p:attrNameLst>
-                                      </p:cBhvr>
-                                      <p:to>
-                                        <p:strVal val="visible"/>
-                                      </p:to>
-                                    </p:set>
-                                    <p:animEffect transition="in" filter="fade">
-                                      <p:cBhvr>
-                                        <p:cTn id="15" dur="500"/>
-                                        <p:tgtEl>
-                                          <p:spTgt spid="3">
-                                            <p:txEl>
-                                              <p:pRg st="1" end="1"/>
-                                            </p:txEl>
-                                          </p:spTgt>
-                                        </p:tgtEl>
-                                      </p:cBhvr>
-                                    </p:animEffect>
-                                  </p:childTnLst>
-                                </p:cTn>
-                              </p:par>
-                            </p:childTnLst>
-                          </p:cTn>
-                        </p:par>
-                      </p:childTnLst>
-                    </p:cTn>
-                  </p:par>
-                </p:childTnLst>
-              </p:cTn>
-              <p:prevCondLst>
-                <p:cond evt="onPrev" delay="0">
-                  <p:tgtEl>
-                    <p:sldTgt/>
-                  </p:tgtEl>
-                </p:cond>
-              </p:prevCondLst>
-              <p:nextCondLst>
-                <p:cond evt="onNext" delay="0">
-                  <p:tgtEl>
-                    <p:sldTgt/>
-                  </p:tgtEl>
-                </p:cond>
-              </p:nextCondLst>
-            </p:seq>
-          </p:childTnLst>
-        </p:cTn>
-      </p:par>
-    </p:tnLst>
-    <p:bldLst>
-      <p:bldP spid="2" grpId="0"/>
-    </p:bldLst>
-  </p:timing>
 </p:sld>
 </file>
 
@@ -8833,14 +8643,14 @@
           </a:ln>
         </p:spPr>
         <p:style>
-          <a:lnRef idx="1">
-            <a:schemeClr val="dk1"/>
+          <a:lnRef idx="2">
+            <a:schemeClr val="accent3"/>
           </a:lnRef>
           <a:fillRef idx="0">
-            <a:schemeClr val="dk1"/>
+            <a:schemeClr val="accent3"/>
           </a:fillRef>
-          <a:effectRef idx="0">
-            <a:schemeClr val="dk1"/>
+          <a:effectRef idx="1">
+            <a:schemeClr val="accent3"/>
           </a:effectRef>
           <a:fontRef idx="minor">
             <a:schemeClr val="tx1"/>
@@ -8874,14 +8684,14 @@
           </a:ln>
         </p:spPr>
         <p:style>
-          <a:lnRef idx="1">
-            <a:schemeClr val="dk1"/>
+          <a:lnRef idx="2">
+            <a:schemeClr val="accent3"/>
           </a:lnRef>
           <a:fillRef idx="0">
-            <a:schemeClr val="dk1"/>
+            <a:schemeClr val="accent3"/>
           </a:fillRef>
-          <a:effectRef idx="0">
-            <a:schemeClr val="dk1"/>
+          <a:effectRef idx="1">
+            <a:schemeClr val="accent3"/>
           </a:effectRef>
           <a:fontRef idx="minor">
             <a:schemeClr val="tx1"/>
@@ -9321,14 +9131,14 @@
           </a:ln>
         </p:spPr>
         <p:style>
-          <a:lnRef idx="1">
-            <a:schemeClr val="dk1"/>
+          <a:lnRef idx="2">
+            <a:schemeClr val="accent3"/>
           </a:lnRef>
           <a:fillRef idx="0">
-            <a:schemeClr val="dk1"/>
+            <a:schemeClr val="accent3"/>
           </a:fillRef>
-          <a:effectRef idx="0">
-            <a:schemeClr val="dk1"/>
+          <a:effectRef idx="1">
+            <a:schemeClr val="accent3"/>
           </a:effectRef>
           <a:fontRef idx="minor">
             <a:schemeClr val="tx1"/>
@@ -9362,14 +9172,14 @@
           </a:ln>
         </p:spPr>
         <p:style>
-          <a:lnRef idx="1">
-            <a:schemeClr val="dk1"/>
+          <a:lnRef idx="2">
+            <a:schemeClr val="accent3"/>
           </a:lnRef>
           <a:fillRef idx="0">
-            <a:schemeClr val="dk1"/>
+            <a:schemeClr val="accent3"/>
           </a:fillRef>
-          <a:effectRef idx="0">
-            <a:schemeClr val="dk1"/>
+          <a:effectRef idx="1">
+            <a:schemeClr val="accent3"/>
           </a:effectRef>
           <a:fontRef idx="minor">
             <a:schemeClr val="tx1"/>
@@ -9386,14 +9196,14 @@
             </a:extLst>
           </p:cNvPr>
           <p:cNvCxnSpPr>
-            <a:endCxn id="38" idx="3"/>
+            <a:cxnSpLocks/>
           </p:cNvCxnSpPr>
           <p:nvPr/>
         </p:nvCxnSpPr>
         <p:spPr>
           <a:xfrm flipH="1">
-            <a:off x="5513104" y="6112057"/>
-            <a:ext cx="454063" cy="2"/>
+            <a:off x="5474412" y="6112057"/>
+            <a:ext cx="454064" cy="2"/>
           </a:xfrm>
           <a:prstGeom prst="straightConnector1">
             <a:avLst/>
@@ -9403,14 +9213,14 @@
           </a:ln>
         </p:spPr>
         <p:style>
-          <a:lnRef idx="1">
-            <a:schemeClr val="dk1"/>
+          <a:lnRef idx="2">
+            <a:schemeClr val="accent3"/>
           </a:lnRef>
           <a:fillRef idx="0">
-            <a:schemeClr val="dk1"/>
+            <a:schemeClr val="accent3"/>
           </a:fillRef>
-          <a:effectRef idx="0">
-            <a:schemeClr val="dk1"/>
+          <a:effectRef idx="1">
+            <a:schemeClr val="accent3"/>
           </a:effectRef>
           <a:fontRef idx="minor">
             <a:schemeClr val="tx1"/>
@@ -9433,8 +9243,8 @@
         </p:nvCxnSpPr>
         <p:spPr>
           <a:xfrm flipH="1">
-            <a:off x="3136360" y="6112057"/>
-            <a:ext cx="432073" cy="0"/>
+            <a:off x="3191754" y="6112057"/>
+            <a:ext cx="376681" cy="0"/>
           </a:xfrm>
           <a:prstGeom prst="straightConnector1">
             <a:avLst/>
@@ -9444,14 +9254,14 @@
           </a:ln>
         </p:spPr>
         <p:style>
-          <a:lnRef idx="1">
-            <a:schemeClr val="dk1"/>
+          <a:lnRef idx="2">
+            <a:schemeClr val="accent3"/>
           </a:lnRef>
           <a:fillRef idx="0">
-            <a:schemeClr val="dk1"/>
+            <a:schemeClr val="accent3"/>
           </a:fillRef>
-          <a:effectRef idx="0">
-            <a:schemeClr val="dk1"/>
+          <a:effectRef idx="1">
+            <a:schemeClr val="accent3"/>
           </a:effectRef>
           <a:fontRef idx="minor">
             <a:schemeClr val="tx1"/>
@@ -9485,14 +9295,14 @@
           </a:ln>
         </p:spPr>
         <p:style>
-          <a:lnRef idx="1">
-            <a:schemeClr val="dk1"/>
+          <a:lnRef idx="2">
+            <a:schemeClr val="accent3"/>
           </a:lnRef>
           <a:fillRef idx="0">
-            <a:schemeClr val="dk1"/>
+            <a:schemeClr val="accent3"/>
           </a:fillRef>
-          <a:effectRef idx="0">
-            <a:schemeClr val="dk1"/>
+          <a:effectRef idx="1">
+            <a:schemeClr val="accent3"/>
           </a:effectRef>
           <a:fontRef idx="minor">
             <a:schemeClr val="tx1"/>
@@ -9515,28 +9325,25 @@
         </p:nvCxnSpPr>
         <p:spPr>
           <a:xfrm>
-            <a:off x="5194174" y="4674444"/>
+            <a:off x="5220094" y="4661960"/>
             <a:ext cx="348790" cy="677"/>
           </a:xfrm>
           <a:prstGeom prst="straightConnector1">
             <a:avLst/>
           </a:prstGeom>
           <a:ln w="28575">
-            <a:solidFill>
-              <a:schemeClr val="bg1"/>
-            </a:solidFill>
             <a:tailEnd type="triangle"/>
           </a:ln>
         </p:spPr>
         <p:style>
-          <a:lnRef idx="1">
-            <a:schemeClr val="accent1"/>
+          <a:lnRef idx="2">
+            <a:schemeClr val="accent3"/>
           </a:lnRef>
           <a:fillRef idx="0">
-            <a:schemeClr val="accent1"/>
+            <a:schemeClr val="accent3"/>
           </a:fillRef>
-          <a:effectRef idx="0">
-            <a:schemeClr val="accent1"/>
+          <a:effectRef idx="1">
+            <a:schemeClr val="accent3"/>
           </a:effectRef>
           <a:fontRef idx="minor">
             <a:schemeClr val="tx1"/>
@@ -11129,25 +10936,21 @@
           <a:prstGeom prst="line">
             <a:avLst/>
           </a:prstGeom>
-          <a:ln w="28575" cap="flat" cmpd="sng" algn="ctr">
-            <a:solidFill>
-              <a:schemeClr val="dk1"/>
-            </a:solidFill>
+          <a:ln w="28575">
             <a:prstDash val="dash"/>
-            <a:round/>
             <a:headEnd type="none" w="med" len="med"/>
             <a:tailEnd type="arrow" w="med" len="med"/>
           </a:ln>
         </p:spPr>
         <p:style>
-          <a:lnRef idx="0">
-            <a:scrgbClr r="0" g="0" b="0"/>
+          <a:lnRef idx="2">
+            <a:schemeClr val="accent3"/>
           </a:lnRef>
           <a:fillRef idx="0">
-            <a:scrgbClr r="0" g="0" b="0"/>
+            <a:schemeClr val="accent3"/>
           </a:fillRef>
-          <a:effectRef idx="0">
-            <a:scrgbClr r="0" g="0" b="0"/>
+          <a:effectRef idx="1">
+            <a:schemeClr val="accent3"/>
           </a:effectRef>
           <a:fontRef idx="minor">
             <a:schemeClr val="tx1"/>
@@ -11166,37 +10969,32 @@
           <p:cNvCxnSpPr>
             <a:cxnSpLocks/>
             <a:stCxn id="3" idx="3"/>
-            <a:endCxn id="5" idx="0"/>
           </p:cNvCxnSpPr>
           <p:nvPr/>
         </p:nvCxnSpPr>
         <p:spPr>
           <a:xfrm>
             <a:off x="5976565" y="2333446"/>
-            <a:ext cx="1552309" cy="2352076"/>
+            <a:ext cx="1753414" cy="2352076"/>
           </a:xfrm>
           <a:prstGeom prst="line">
             <a:avLst/>
           </a:prstGeom>
-          <a:ln w="28575" cap="flat" cmpd="sng" algn="ctr">
-            <a:solidFill>
-              <a:schemeClr val="dk1"/>
-            </a:solidFill>
+          <a:ln w="28575">
             <a:prstDash val="dash"/>
-            <a:round/>
             <a:headEnd type="none" w="med" len="med"/>
             <a:tailEnd type="arrow" w="med" len="med"/>
           </a:ln>
         </p:spPr>
         <p:style>
-          <a:lnRef idx="0">
-            <a:scrgbClr r="0" g="0" b="0"/>
+          <a:lnRef idx="2">
+            <a:schemeClr val="accent3"/>
           </a:lnRef>
           <a:fillRef idx="0">
-            <a:scrgbClr r="0" g="0" b="0"/>
+            <a:schemeClr val="accent3"/>
           </a:fillRef>
-          <a:effectRef idx="0">
-            <a:scrgbClr r="0" g="0" b="0"/>
+          <a:effectRef idx="1">
+            <a:schemeClr val="accent3"/>
           </a:effectRef>
           <a:fontRef idx="minor">
             <a:schemeClr val="tx1"/>
@@ -11219,31 +11017,27 @@
         </p:nvCxnSpPr>
         <p:spPr>
           <a:xfrm flipH="1" flipV="1">
-            <a:off x="5999093" y="1792941"/>
-            <a:ext cx="2508413" cy="2971347"/>
+            <a:off x="5976566" y="1916433"/>
+            <a:ext cx="2111632" cy="2769089"/>
           </a:xfrm>
           <a:prstGeom prst="line">
             <a:avLst/>
           </a:prstGeom>
-          <a:ln w="28575" cap="flat" cmpd="sng" algn="ctr">
-            <a:solidFill>
-              <a:schemeClr val="dk1"/>
-            </a:solidFill>
+          <a:ln w="28575">
             <a:prstDash val="dash"/>
-            <a:round/>
             <a:headEnd type="none" w="med" len="med"/>
             <a:tailEnd type="arrow" w="med" len="med"/>
           </a:ln>
         </p:spPr>
         <p:style>
-          <a:lnRef idx="0">
-            <a:scrgbClr r="0" g="0" b="0"/>
+          <a:lnRef idx="2">
+            <a:schemeClr val="accent3"/>
           </a:lnRef>
           <a:fillRef idx="0">
-            <a:scrgbClr r="0" g="0" b="0"/>
+            <a:schemeClr val="accent3"/>
           </a:fillRef>
-          <a:effectRef idx="0">
-            <a:scrgbClr r="0" g="0" b="0"/>
+          <a:effectRef idx="1">
+            <a:schemeClr val="accent3"/>
           </a:effectRef>
           <a:fontRef idx="minor">
             <a:schemeClr val="tx1"/>
@@ -12215,19 +12009,20 @@
           <a:prstGeom prst="straightConnector1">
             <a:avLst/>
           </a:prstGeom>
-          <a:ln>
+          <a:ln w="28575">
+            <a:prstDash val="dash"/>
             <a:tailEnd type="triangle"/>
           </a:ln>
         </p:spPr>
         <p:style>
-          <a:lnRef idx="1">
-            <a:schemeClr val="dk1"/>
+          <a:lnRef idx="2">
+            <a:schemeClr val="accent3"/>
           </a:lnRef>
           <a:fillRef idx="0">
-            <a:schemeClr val="dk1"/>
+            <a:schemeClr val="accent3"/>
           </a:fillRef>
-          <a:effectRef idx="0">
-            <a:schemeClr val="dk1"/>
+          <a:effectRef idx="1">
+            <a:schemeClr val="accent3"/>
           </a:effectRef>
           <a:fontRef idx="minor">
             <a:schemeClr val="tx1"/>
@@ -12346,19 +12141,20 @@
           <a:prstGeom prst="straightConnector1">
             <a:avLst/>
           </a:prstGeom>
-          <a:ln>
+          <a:ln w="28575">
+            <a:prstDash val="dash"/>
             <a:tailEnd type="triangle"/>
           </a:ln>
         </p:spPr>
         <p:style>
-          <a:lnRef idx="1">
-            <a:schemeClr val="dk1"/>
+          <a:lnRef idx="2">
+            <a:schemeClr val="accent3"/>
           </a:lnRef>
           <a:fillRef idx="0">
-            <a:schemeClr val="dk1"/>
+            <a:schemeClr val="accent3"/>
           </a:fillRef>
-          <a:effectRef idx="0">
-            <a:schemeClr val="dk1"/>
+          <a:effectRef idx="1">
+            <a:schemeClr val="accent3"/>
           </a:effectRef>
           <a:fontRef idx="minor">
             <a:schemeClr val="tx1"/>
@@ -12478,19 +12274,20 @@
           <a:prstGeom prst="straightConnector1">
             <a:avLst/>
           </a:prstGeom>
-          <a:ln>
+          <a:ln w="28575">
+            <a:prstDash val="dash"/>
             <a:tailEnd type="triangle"/>
           </a:ln>
         </p:spPr>
         <p:style>
-          <a:lnRef idx="1">
-            <a:schemeClr val="dk1"/>
+          <a:lnRef idx="2">
+            <a:schemeClr val="accent3"/>
           </a:lnRef>
           <a:fillRef idx="0">
-            <a:schemeClr val="dk1"/>
+            <a:schemeClr val="accent3"/>
           </a:fillRef>
-          <a:effectRef idx="0">
-            <a:schemeClr val="dk1"/>
+          <a:effectRef idx="1">
+            <a:schemeClr val="accent3"/>
           </a:effectRef>
           <a:fontRef idx="minor">
             <a:schemeClr val="tx1"/>
@@ -12609,19 +12406,20 @@
           <a:prstGeom prst="straightConnector1">
             <a:avLst/>
           </a:prstGeom>
-          <a:ln>
+          <a:ln w="28575">
+            <a:prstDash val="dash"/>
             <a:tailEnd type="triangle"/>
           </a:ln>
         </p:spPr>
         <p:style>
-          <a:lnRef idx="1">
-            <a:schemeClr val="dk1"/>
+          <a:lnRef idx="2">
+            <a:schemeClr val="accent3"/>
           </a:lnRef>
           <a:fillRef idx="0">
-            <a:schemeClr val="dk1"/>
+            <a:schemeClr val="accent3"/>
           </a:fillRef>
-          <a:effectRef idx="0">
-            <a:schemeClr val="dk1"/>
+          <a:effectRef idx="1">
+            <a:schemeClr val="accent3"/>
           </a:effectRef>
           <a:fontRef idx="minor">
             <a:schemeClr val="tx1"/>
@@ -12733,7 +12531,7 @@
         <p:spPr>
           <a:xfrm>
             <a:off x="641022" y="3613666"/>
-            <a:ext cx="3242820" cy="2031325"/>
+            <a:ext cx="3404656" cy="2031325"/>
           </a:xfrm>
           <a:prstGeom prst="rect">
             <a:avLst/>
@@ -12778,7 +12576,7 @@
           <a:p>
             <a:r>
               <a:rPr lang="en-US" dirty="0"/>
-              <a:t>+ Simple AI (always goes second)</a:t>
+              <a:t>+ Simple AI (random moves; always goes second)</a:t>
             </a:r>
           </a:p>
         </p:txBody>
@@ -12798,7 +12596,7 @@
         <p:spPr>
           <a:xfrm>
             <a:off x="4232635" y="3613666"/>
-            <a:ext cx="3242820" cy="2031325"/>
+            <a:ext cx="3242820" cy="1477328"/>
           </a:xfrm>
           <a:prstGeom prst="rect">
             <a:avLst/>
@@ -12813,7 +12611,7 @@
           <a:p>
             <a:r>
               <a:rPr lang="en-US" dirty="0"/>
-              <a:t>+ Game Over screen added</a:t>
+              <a:t>+ Game Over screen </a:t>
             </a:r>
           </a:p>
           <a:p>
@@ -12831,7 +12629,7 @@
           <a:p>
             <a:r>
               <a:rPr lang="en-US" dirty="0"/>
-              <a:t>+ Custom match setup added</a:t>
+              <a:t>+ Custom match setup</a:t>
             </a:r>
           </a:p>
         </p:txBody>
@@ -12851,7 +12649,7 @@
         <p:spPr>
           <a:xfrm>
             <a:off x="7475455" y="3613666"/>
-            <a:ext cx="2507531" cy="923330"/>
+            <a:ext cx="2507531" cy="1200329"/>
           </a:xfrm>
           <a:prstGeom prst="rect">
             <a:avLst/>
@@ -12870,7 +12668,10 @@
             </a:r>
           </a:p>
           <a:p>
-            <a:endParaRPr lang="en-US" dirty="0"/>
+            <a:r>
+              <a:rPr lang="en-US" dirty="0"/>
+              <a:t>+ Computer Turn Selection screen</a:t>
+            </a:r>
           </a:p>
         </p:txBody>
       </p:sp>
@@ -13709,7 +13510,7 @@
                             </p:stCondLst>
                             <p:childTnLst>
                               <p:par>
-                                <p:cTn id="59" presetID="10" presetClass="entr" presetSubtype="0" fill="hold" nodeType="clickEffect">
+                                <p:cTn id="59" presetID="2" presetClass="entr" presetSubtype="4" fill="hold" nodeType="clickEffect">
                                   <p:stCondLst>
                                     <p:cond delay="0"/>
                                   </p:stCondLst>
@@ -13722,130 +13523,11 @@
                                           </p:stCondLst>
                                         </p:cTn>
                                         <p:tgtEl>
-                                          <p:spTgt spid="20"/>
-                                        </p:tgtEl>
-                                        <p:attrNameLst>
-                                          <p:attrName>style.visibility</p:attrName>
-                                        </p:attrNameLst>
-                                      </p:cBhvr>
-                                      <p:to>
-                                        <p:strVal val="visible"/>
-                                      </p:to>
-                                    </p:set>
-                                    <p:animEffect transition="in" filter="fade">
-                                      <p:cBhvr>
-                                        <p:cTn id="61" dur="500"/>
-                                        <p:tgtEl>
-                                          <p:spTgt spid="20"/>
-                                        </p:tgtEl>
-                                      </p:cBhvr>
-                                    </p:animEffect>
-                                  </p:childTnLst>
-                                </p:cTn>
-                              </p:par>
-                              <p:par>
-                                <p:cTn id="62" presetID="10" presetClass="entr" presetSubtype="0" fill="hold" grpId="0" nodeType="withEffect">
-                                  <p:stCondLst>
-                                    <p:cond delay="0"/>
-                                  </p:stCondLst>
-                                  <p:childTnLst>
-                                    <p:set>
-                                      <p:cBhvr>
-                                        <p:cTn id="63" dur="1" fill="hold">
-                                          <p:stCondLst>
-                                            <p:cond delay="0"/>
-                                          </p:stCondLst>
-                                        </p:cTn>
-                                        <p:tgtEl>
-                                          <p:spTgt spid="21"/>
-                                        </p:tgtEl>
-                                        <p:attrNameLst>
-                                          <p:attrName>style.visibility</p:attrName>
-                                        </p:attrNameLst>
-                                      </p:cBhvr>
-                                      <p:to>
-                                        <p:strVal val="visible"/>
-                                      </p:to>
-                                    </p:set>
-                                    <p:animEffect transition="in" filter="fade">
-                                      <p:cBhvr>
-                                        <p:cTn id="64" dur="500"/>
-                                        <p:tgtEl>
-                                          <p:spTgt spid="21"/>
-                                        </p:tgtEl>
-                                      </p:cBhvr>
-                                    </p:animEffect>
-                                  </p:childTnLst>
-                                </p:cTn>
-                              </p:par>
-                              <p:par>
-                                <p:cTn id="65" presetID="10" presetClass="entr" presetSubtype="0" fill="hold" grpId="0" nodeType="withEffect">
-                                  <p:stCondLst>
-                                    <p:cond delay="0"/>
-                                  </p:stCondLst>
-                                  <p:childTnLst>
-                                    <p:set>
-                                      <p:cBhvr>
-                                        <p:cTn id="66" dur="1" fill="hold">
-                                          <p:stCondLst>
-                                            <p:cond delay="0"/>
-                                          </p:stCondLst>
-                                        </p:cTn>
-                                        <p:tgtEl>
-                                          <p:spTgt spid="23"/>
-                                        </p:tgtEl>
-                                        <p:attrNameLst>
-                                          <p:attrName>style.visibility</p:attrName>
-                                        </p:attrNameLst>
-                                      </p:cBhvr>
-                                      <p:to>
-                                        <p:strVal val="visible"/>
-                                      </p:to>
-                                    </p:set>
-                                    <p:animEffect transition="in" filter="fade">
-                                      <p:cBhvr>
-                                        <p:cTn id="67" dur="500"/>
-                                        <p:tgtEl>
-                                          <p:spTgt spid="23"/>
-                                        </p:tgtEl>
-                                      </p:cBhvr>
-                                    </p:animEffect>
-                                  </p:childTnLst>
-                                </p:cTn>
-                              </p:par>
-                            </p:childTnLst>
-                          </p:cTn>
-                        </p:par>
-                      </p:childTnLst>
-                    </p:cTn>
-                  </p:par>
-                  <p:par>
-                    <p:cTn id="68" fill="hold">
-                      <p:stCondLst>
-                        <p:cond delay="indefinite"/>
-                      </p:stCondLst>
-                      <p:childTnLst>
-                        <p:par>
-                          <p:cTn id="69" fill="hold">
-                            <p:stCondLst>
-                              <p:cond delay="0"/>
-                            </p:stCondLst>
-                            <p:childTnLst>
-                              <p:par>
-                                <p:cTn id="70" presetID="2" presetClass="entr" presetSubtype="4" fill="hold" grpId="0" nodeType="clickEffect">
-                                  <p:stCondLst>
-                                    <p:cond delay="0"/>
-                                  </p:stCondLst>
-                                  <p:childTnLst>
-                                    <p:set>
-                                      <p:cBhvr>
-                                        <p:cTn id="71" dur="1" fill="hold">
-                                          <p:stCondLst>
-                                            <p:cond delay="0"/>
-                                          </p:stCondLst>
-                                        </p:cTn>
-                                        <p:tgtEl>
-                                          <p:spTgt spid="31"/>
+                                          <p:spTgt spid="30">
+                                            <p:txEl>
+                                              <p:pRg st="1" end="1"/>
+                                            </p:txEl>
+                                          </p:spTgt>
                                         </p:tgtEl>
                                         <p:attrNameLst>
                                           <p:attrName>style.visibility</p:attrName>
@@ -13857,9 +13539,13 @@
                                     </p:set>
                                     <p:anim calcmode="lin" valueType="num">
                                       <p:cBhvr additive="base">
-                                        <p:cTn id="72" dur="500" fill="hold"/>
-                                        <p:tgtEl>
-                                          <p:spTgt spid="31"/>
+                                        <p:cTn id="61" dur="500" fill="hold"/>
+                                        <p:tgtEl>
+                                          <p:spTgt spid="30">
+                                            <p:txEl>
+                                              <p:pRg st="1" end="1"/>
+                                            </p:txEl>
+                                          </p:spTgt>
                                         </p:tgtEl>
                                         <p:attrNameLst>
                                           <p:attrName>ppt_x</p:attrName>
@@ -13880,7 +13566,225 @@
                                     </p:anim>
                                     <p:anim calcmode="lin" valueType="num">
                                       <p:cBhvr additive="base">
-                                        <p:cTn id="73" dur="500" fill="hold"/>
+                                        <p:cTn id="62" dur="500" fill="hold"/>
+                                        <p:tgtEl>
+                                          <p:spTgt spid="30">
+                                            <p:txEl>
+                                              <p:pRg st="1" end="1"/>
+                                            </p:txEl>
+                                          </p:spTgt>
+                                        </p:tgtEl>
+                                        <p:attrNameLst>
+                                          <p:attrName>ppt_y</p:attrName>
+                                        </p:attrNameLst>
+                                      </p:cBhvr>
+                                      <p:tavLst>
+                                        <p:tav tm="0">
+                                          <p:val>
+                                            <p:strVal val="1+#ppt_h/2"/>
+                                          </p:val>
+                                        </p:tav>
+                                        <p:tav tm="100000">
+                                          <p:val>
+                                            <p:strVal val="#ppt_y"/>
+                                          </p:val>
+                                        </p:tav>
+                                      </p:tavLst>
+                                    </p:anim>
+                                  </p:childTnLst>
+                                </p:cTn>
+                              </p:par>
+                            </p:childTnLst>
+                          </p:cTn>
+                        </p:par>
+                      </p:childTnLst>
+                    </p:cTn>
+                  </p:par>
+                  <p:par>
+                    <p:cTn id="63" fill="hold">
+                      <p:stCondLst>
+                        <p:cond delay="indefinite"/>
+                      </p:stCondLst>
+                      <p:childTnLst>
+                        <p:par>
+                          <p:cTn id="64" fill="hold">
+                            <p:stCondLst>
+                              <p:cond delay="0"/>
+                            </p:stCondLst>
+                            <p:childTnLst>
+                              <p:par>
+                                <p:cTn id="65" presetID="10" presetClass="entr" presetSubtype="0" fill="hold" nodeType="clickEffect">
+                                  <p:stCondLst>
+                                    <p:cond delay="0"/>
+                                  </p:stCondLst>
+                                  <p:childTnLst>
+                                    <p:set>
+                                      <p:cBhvr>
+                                        <p:cTn id="66" dur="1" fill="hold">
+                                          <p:stCondLst>
+                                            <p:cond delay="0"/>
+                                          </p:stCondLst>
+                                        </p:cTn>
+                                        <p:tgtEl>
+                                          <p:spTgt spid="20"/>
+                                        </p:tgtEl>
+                                        <p:attrNameLst>
+                                          <p:attrName>style.visibility</p:attrName>
+                                        </p:attrNameLst>
+                                      </p:cBhvr>
+                                      <p:to>
+                                        <p:strVal val="visible"/>
+                                      </p:to>
+                                    </p:set>
+                                    <p:animEffect transition="in" filter="fade">
+                                      <p:cBhvr>
+                                        <p:cTn id="67" dur="500"/>
+                                        <p:tgtEl>
+                                          <p:spTgt spid="20"/>
+                                        </p:tgtEl>
+                                      </p:cBhvr>
+                                    </p:animEffect>
+                                  </p:childTnLst>
+                                </p:cTn>
+                              </p:par>
+                              <p:par>
+                                <p:cTn id="68" presetID="10" presetClass="entr" presetSubtype="0" fill="hold" grpId="0" nodeType="withEffect">
+                                  <p:stCondLst>
+                                    <p:cond delay="0"/>
+                                  </p:stCondLst>
+                                  <p:childTnLst>
+                                    <p:set>
+                                      <p:cBhvr>
+                                        <p:cTn id="69" dur="1" fill="hold">
+                                          <p:stCondLst>
+                                            <p:cond delay="0"/>
+                                          </p:stCondLst>
+                                        </p:cTn>
+                                        <p:tgtEl>
+                                          <p:spTgt spid="21"/>
+                                        </p:tgtEl>
+                                        <p:attrNameLst>
+                                          <p:attrName>style.visibility</p:attrName>
+                                        </p:attrNameLst>
+                                      </p:cBhvr>
+                                      <p:to>
+                                        <p:strVal val="visible"/>
+                                      </p:to>
+                                    </p:set>
+                                    <p:animEffect transition="in" filter="fade">
+                                      <p:cBhvr>
+                                        <p:cTn id="70" dur="500"/>
+                                        <p:tgtEl>
+                                          <p:spTgt spid="21"/>
+                                        </p:tgtEl>
+                                      </p:cBhvr>
+                                    </p:animEffect>
+                                  </p:childTnLst>
+                                </p:cTn>
+                              </p:par>
+                              <p:par>
+                                <p:cTn id="71" presetID="10" presetClass="entr" presetSubtype="0" fill="hold" grpId="0" nodeType="withEffect">
+                                  <p:stCondLst>
+                                    <p:cond delay="0"/>
+                                  </p:stCondLst>
+                                  <p:childTnLst>
+                                    <p:set>
+                                      <p:cBhvr>
+                                        <p:cTn id="72" dur="1" fill="hold">
+                                          <p:stCondLst>
+                                            <p:cond delay="0"/>
+                                          </p:stCondLst>
+                                        </p:cTn>
+                                        <p:tgtEl>
+                                          <p:spTgt spid="23"/>
+                                        </p:tgtEl>
+                                        <p:attrNameLst>
+                                          <p:attrName>style.visibility</p:attrName>
+                                        </p:attrNameLst>
+                                      </p:cBhvr>
+                                      <p:to>
+                                        <p:strVal val="visible"/>
+                                      </p:to>
+                                    </p:set>
+                                    <p:animEffect transition="in" filter="fade">
+                                      <p:cBhvr>
+                                        <p:cTn id="73" dur="500"/>
+                                        <p:tgtEl>
+                                          <p:spTgt spid="23"/>
+                                        </p:tgtEl>
+                                      </p:cBhvr>
+                                    </p:animEffect>
+                                  </p:childTnLst>
+                                </p:cTn>
+                              </p:par>
+                            </p:childTnLst>
+                          </p:cTn>
+                        </p:par>
+                      </p:childTnLst>
+                    </p:cTn>
+                  </p:par>
+                  <p:par>
+                    <p:cTn id="74" fill="hold">
+                      <p:stCondLst>
+                        <p:cond delay="indefinite"/>
+                      </p:stCondLst>
+                      <p:childTnLst>
+                        <p:par>
+                          <p:cTn id="75" fill="hold">
+                            <p:stCondLst>
+                              <p:cond delay="0"/>
+                            </p:stCondLst>
+                            <p:childTnLst>
+                              <p:par>
+                                <p:cTn id="76" presetID="2" presetClass="entr" presetSubtype="4" fill="hold" grpId="0" nodeType="clickEffect">
+                                  <p:stCondLst>
+                                    <p:cond delay="0"/>
+                                  </p:stCondLst>
+                                  <p:childTnLst>
+                                    <p:set>
+                                      <p:cBhvr>
+                                        <p:cTn id="77" dur="1" fill="hold">
+                                          <p:stCondLst>
+                                            <p:cond delay="0"/>
+                                          </p:stCondLst>
+                                        </p:cTn>
+                                        <p:tgtEl>
+                                          <p:spTgt spid="31"/>
+                                        </p:tgtEl>
+                                        <p:attrNameLst>
+                                          <p:attrName>style.visibility</p:attrName>
+                                        </p:attrNameLst>
+                                      </p:cBhvr>
+                                      <p:to>
+                                        <p:strVal val="visible"/>
+                                      </p:to>
+                                    </p:set>
+                                    <p:anim calcmode="lin" valueType="num">
+                                      <p:cBhvr additive="base">
+                                        <p:cTn id="78" dur="500" fill="hold"/>
+                                        <p:tgtEl>
+                                          <p:spTgt spid="31"/>
+                                        </p:tgtEl>
+                                        <p:attrNameLst>
+                                          <p:attrName>ppt_x</p:attrName>
+                                        </p:attrNameLst>
+                                      </p:cBhvr>
+                                      <p:tavLst>
+                                        <p:tav tm="0">
+                                          <p:val>
+                                            <p:strVal val="#ppt_x"/>
+                                          </p:val>
+                                        </p:tav>
+                                        <p:tav tm="100000">
+                                          <p:val>
+                                            <p:strVal val="#ppt_x"/>
+                                          </p:val>
+                                        </p:tav>
+                                      </p:tavLst>
+                                    </p:anim>
+                                    <p:anim calcmode="lin" valueType="num">
+                                      <p:cBhvr additive="base">
+                                        <p:cTn id="79" dur="500" fill="hold"/>
                                         <p:tgtEl>
                                           <p:spTgt spid="31"/>
                                         </p:tgtEl>
@@ -14025,15 +13929,15 @@
         </p:spPr>
         <p:style>
           <a:lnRef idx="2">
-            <a:schemeClr val="accent4">
+            <a:schemeClr val="accent2">
               <a:shade val="50000"/>
             </a:schemeClr>
           </a:lnRef>
           <a:fillRef idx="1">
-            <a:schemeClr val="accent4"/>
+            <a:schemeClr val="accent2"/>
           </a:fillRef>
           <a:effectRef idx="0">
-            <a:schemeClr val="accent4"/>
+            <a:schemeClr val="accent2"/>
           </a:effectRef>
           <a:fontRef idx="minor">
             <a:schemeClr val="lt1"/>
@@ -14121,14 +14025,14 @@
           </a:ln>
         </p:spPr>
         <p:style>
-          <a:lnRef idx="1">
-            <a:schemeClr val="dk1"/>
+          <a:lnRef idx="2">
+            <a:schemeClr val="accent3"/>
           </a:lnRef>
           <a:fillRef idx="0">
-            <a:schemeClr val="dk1"/>
+            <a:schemeClr val="accent3"/>
           </a:fillRef>
-          <a:effectRef idx="0">
-            <a:schemeClr val="dk1"/>
+          <a:effectRef idx="1">
+            <a:schemeClr val="accent3"/>
           </a:effectRef>
           <a:fontRef idx="minor">
             <a:schemeClr val="tx1"/>
@@ -14198,14 +14102,14 @@
           </a:ln>
         </p:spPr>
         <p:style>
-          <a:lnRef idx="1">
-            <a:schemeClr val="dk1"/>
+          <a:lnRef idx="2">
+            <a:schemeClr val="accent3"/>
           </a:lnRef>
           <a:fillRef idx="0">
-            <a:schemeClr val="dk1"/>
+            <a:schemeClr val="accent3"/>
           </a:fillRef>
-          <a:effectRef idx="0">
-            <a:schemeClr val="dk1"/>
+          <a:effectRef idx="1">
+            <a:schemeClr val="accent3"/>
           </a:effectRef>
           <a:fontRef idx="minor">
             <a:schemeClr val="tx1"/>
@@ -14295,14 +14199,14 @@
           </a:ln>
         </p:spPr>
         <p:style>
-          <a:lnRef idx="1">
-            <a:schemeClr val="dk1"/>
+          <a:lnRef idx="2">
+            <a:schemeClr val="accent3"/>
           </a:lnRef>
           <a:fillRef idx="0">
-            <a:schemeClr val="dk1"/>
+            <a:schemeClr val="accent3"/>
           </a:fillRef>
-          <a:effectRef idx="0">
-            <a:schemeClr val="dk1"/>
+          <a:effectRef idx="1">
+            <a:schemeClr val="accent3"/>
           </a:effectRef>
           <a:fontRef idx="minor">
             <a:schemeClr val="tx1"/>
@@ -14418,14 +14322,14 @@
           </a:ln>
         </p:spPr>
         <p:style>
-          <a:lnRef idx="1">
-            <a:schemeClr val="dk1"/>
+          <a:lnRef idx="2">
+            <a:schemeClr val="accent3"/>
           </a:lnRef>
           <a:fillRef idx="0">
-            <a:schemeClr val="dk1"/>
+            <a:schemeClr val="accent3"/>
           </a:fillRef>
-          <a:effectRef idx="0">
-            <a:schemeClr val="dk1"/>
+          <a:effectRef idx="1">
+            <a:schemeClr val="accent3"/>
           </a:effectRef>
           <a:fontRef idx="minor">
             <a:schemeClr val="tx1"/>
@@ -14595,13 +14499,14 @@
           </p:cNvPr>
           <p:cNvCxnSpPr>
             <a:cxnSpLocks/>
+            <a:endCxn id="20" idx="2"/>
           </p:cNvCxnSpPr>
           <p:nvPr/>
         </p:nvCxnSpPr>
         <p:spPr>
           <a:xfrm flipV="1">
-            <a:off x="3542568" y="3793747"/>
-            <a:ext cx="1617705" cy="1283945"/>
+            <a:off x="3542568" y="3697020"/>
+            <a:ext cx="1722242" cy="1380674"/>
           </a:xfrm>
           <a:prstGeom prst="straightConnector1">
             <a:avLst/>
@@ -14611,14 +14516,14 @@
           </a:ln>
         </p:spPr>
         <p:style>
-          <a:lnRef idx="1">
-            <a:schemeClr val="dk1"/>
+          <a:lnRef idx="2">
+            <a:schemeClr val="accent3"/>
           </a:lnRef>
           <a:fillRef idx="0">
-            <a:schemeClr val="dk1"/>
+            <a:schemeClr val="accent3"/>
           </a:fillRef>
-          <a:effectRef idx="0">
-            <a:schemeClr val="dk1"/>
+          <a:effectRef idx="1">
+            <a:schemeClr val="accent3"/>
           </a:effectRef>
           <a:fontRef idx="minor">
             <a:schemeClr val="tx1"/>
@@ -14636,14 +14541,14 @@
           </p:cNvPr>
           <p:cNvCxnSpPr>
             <a:cxnSpLocks/>
-            <a:stCxn id="21" idx="3"/>
+            <a:endCxn id="32" idx="1"/>
           </p:cNvCxnSpPr>
           <p:nvPr/>
         </p:nvCxnSpPr>
         <p:spPr>
           <a:xfrm flipV="1">
-            <a:off x="5893878" y="3283471"/>
-            <a:ext cx="1451049" cy="13008"/>
+            <a:off x="5835131" y="3282583"/>
+            <a:ext cx="1608876" cy="11482"/>
           </a:xfrm>
           <a:prstGeom prst="straightConnector1">
             <a:avLst/>
@@ -14653,14 +14558,14 @@
           </a:ln>
         </p:spPr>
         <p:style>
-          <a:lnRef idx="1">
-            <a:schemeClr val="dk1"/>
+          <a:lnRef idx="2">
+            <a:schemeClr val="accent3"/>
           </a:lnRef>
           <a:fillRef idx="0">
-            <a:schemeClr val="dk1"/>
+            <a:schemeClr val="accent3"/>
           </a:fillRef>
-          <a:effectRef idx="0">
-            <a:schemeClr val="dk1"/>
+          <a:effectRef idx="1">
+            <a:schemeClr val="accent3"/>
           </a:effectRef>
           <a:fontRef idx="minor">
             <a:schemeClr val="tx1"/>
@@ -14784,14 +14689,14 @@
           </a:ln>
         </p:spPr>
         <p:style>
-          <a:lnRef idx="1">
-            <a:schemeClr val="dk1"/>
+          <a:lnRef idx="2">
+            <a:schemeClr val="accent3"/>
           </a:lnRef>
           <a:fillRef idx="0">
-            <a:schemeClr val="dk1"/>
+            <a:schemeClr val="accent3"/>
           </a:fillRef>
-          <a:effectRef idx="0">
-            <a:schemeClr val="dk1"/>
+          <a:effectRef idx="1">
+            <a:schemeClr val="accent3"/>
           </a:effectRef>
           <a:fontRef idx="minor">
             <a:schemeClr val="tx1"/>
@@ -14982,14 +14887,14 @@
           <a:ln w="28575"/>
         </p:spPr>
         <p:style>
-          <a:lnRef idx="1">
-            <a:schemeClr val="dk1"/>
+          <a:lnRef idx="2">
+            <a:schemeClr val="accent3"/>
           </a:lnRef>
           <a:fillRef idx="0">
-            <a:schemeClr val="dk1"/>
+            <a:schemeClr val="accent3"/>
           </a:fillRef>
-          <a:effectRef idx="0">
-            <a:schemeClr val="dk1"/>
+          <a:effectRef idx="1">
+            <a:schemeClr val="accent3"/>
           </a:effectRef>
           <a:fontRef idx="minor">
             <a:schemeClr val="tx1"/>
@@ -15019,14 +14924,14 @@
           <a:ln w="28575"/>
         </p:spPr>
         <p:style>
-          <a:lnRef idx="1">
-            <a:schemeClr val="dk1"/>
+          <a:lnRef idx="2">
+            <a:schemeClr val="accent3"/>
           </a:lnRef>
           <a:fillRef idx="0">
-            <a:schemeClr val="dk1"/>
+            <a:schemeClr val="accent3"/>
           </a:fillRef>
-          <a:effectRef idx="0">
-            <a:schemeClr val="dk1"/>
+          <a:effectRef idx="1">
+            <a:schemeClr val="accent3"/>
           </a:effectRef>
           <a:fontRef idx="minor">
             <a:schemeClr val="tx1"/>
@@ -15054,21 +14959,18 @@
             <a:avLst/>
           </a:prstGeom>
           <a:ln w="28575">
-            <a:solidFill>
-              <a:schemeClr val="bg1"/>
-            </a:solidFill>
             <a:tailEnd type="triangle"/>
           </a:ln>
         </p:spPr>
         <p:style>
-          <a:lnRef idx="1">
-            <a:schemeClr val="dk1"/>
+          <a:lnRef idx="2">
+            <a:schemeClr val="accent3"/>
           </a:lnRef>
           <a:fillRef idx="0">
-            <a:schemeClr val="dk1"/>
+            <a:schemeClr val="accent3"/>
           </a:fillRef>
-          <a:effectRef idx="0">
-            <a:schemeClr val="dk1"/>
+          <a:effectRef idx="1">
+            <a:schemeClr val="accent3"/>
           </a:effectRef>
           <a:fontRef idx="minor">
             <a:schemeClr val="tx1"/>
@@ -15103,14 +15005,14 @@
           </a:ln>
         </p:spPr>
         <p:style>
-          <a:lnRef idx="1">
-            <a:schemeClr val="dk1"/>
+          <a:lnRef idx="2">
+            <a:schemeClr val="accent3"/>
           </a:lnRef>
           <a:fillRef idx="0">
-            <a:schemeClr val="dk1"/>
+            <a:schemeClr val="accent3"/>
           </a:fillRef>
-          <a:effectRef idx="0">
-            <a:schemeClr val="dk1"/>
+          <a:effectRef idx="1">
+            <a:schemeClr val="accent3"/>
           </a:effectRef>
           <a:fontRef idx="minor">
             <a:schemeClr val="tx1"/>
@@ -15226,14 +15128,14 @@
           </a:ln>
         </p:spPr>
         <p:style>
-          <a:lnRef idx="1">
-            <a:schemeClr val="dk1"/>
+          <a:lnRef idx="2">
+            <a:schemeClr val="accent3"/>
           </a:lnRef>
           <a:fillRef idx="0">
-            <a:schemeClr val="dk1"/>
+            <a:schemeClr val="accent3"/>
           </a:fillRef>
-          <a:effectRef idx="0">
-            <a:schemeClr val="dk1"/>
+          <a:effectRef idx="1">
+            <a:schemeClr val="accent3"/>
           </a:effectRef>
           <a:fontRef idx="minor">
             <a:schemeClr val="tx1"/>
@@ -15347,14 +15249,14 @@
           </a:ln>
         </p:spPr>
         <p:style>
-          <a:lnRef idx="1">
-            <a:schemeClr val="dk1"/>
+          <a:lnRef idx="2">
+            <a:schemeClr val="accent3"/>
           </a:lnRef>
           <a:fillRef idx="0">
-            <a:schemeClr val="dk1"/>
+            <a:schemeClr val="accent3"/>
           </a:fillRef>
-          <a:effectRef idx="0">
-            <a:schemeClr val="dk1"/>
+          <a:effectRef idx="1">
+            <a:schemeClr val="accent3"/>
           </a:effectRef>
           <a:fontRef idx="minor">
             <a:schemeClr val="tx1"/>
@@ -15437,21 +15339,17 @@
           <a:prstGeom prst="line">
             <a:avLst/>
           </a:prstGeom>
-          <a:ln w="28575">
-            <a:solidFill>
-              <a:schemeClr val="bg1"/>
-            </a:solidFill>
-          </a:ln>
+          <a:ln w="28575"/>
         </p:spPr>
         <p:style>
-          <a:lnRef idx="1">
-            <a:schemeClr val="dk1"/>
+          <a:lnRef idx="2">
+            <a:schemeClr val="accent3"/>
           </a:lnRef>
           <a:fillRef idx="0">
-            <a:schemeClr val="dk1"/>
+            <a:schemeClr val="accent3"/>
           </a:fillRef>
-          <a:effectRef idx="0">
-            <a:schemeClr val="dk1"/>
+          <a:effectRef idx="1">
+            <a:schemeClr val="accent3"/>
           </a:effectRef>
           <a:fontRef idx="minor">
             <a:schemeClr val="tx1"/>
@@ -15485,14 +15383,14 @@
           </a:ln>
         </p:spPr>
         <p:style>
-          <a:lnRef idx="1">
-            <a:schemeClr val="dk1"/>
+          <a:lnRef idx="2">
+            <a:schemeClr val="accent3"/>
           </a:lnRef>
           <a:fillRef idx="0">
-            <a:schemeClr val="dk1"/>
+            <a:schemeClr val="accent3"/>
           </a:fillRef>
-          <a:effectRef idx="0">
-            <a:schemeClr val="dk1"/>
+          <a:effectRef idx="1">
+            <a:schemeClr val="accent3"/>
           </a:effectRef>
           <a:fontRef idx="minor">
             <a:schemeClr val="tx1"/>
@@ -15560,14 +15458,14 @@
           <a:ln w="28575"/>
         </p:spPr>
         <p:style>
-          <a:lnRef idx="1">
-            <a:schemeClr val="dk1"/>
+          <a:lnRef idx="2">
+            <a:schemeClr val="accent3"/>
           </a:lnRef>
           <a:fillRef idx="0">
-            <a:schemeClr val="dk1"/>
+            <a:schemeClr val="accent3"/>
           </a:fillRef>
-          <a:effectRef idx="0">
-            <a:schemeClr val="dk1"/>
+          <a:effectRef idx="1">
+            <a:schemeClr val="accent3"/>
           </a:effectRef>
           <a:fontRef idx="minor">
             <a:schemeClr val="tx1"/>
@@ -15599,14 +15497,14 @@
           <a:ln w="28575"/>
         </p:spPr>
         <p:style>
-          <a:lnRef idx="1">
-            <a:schemeClr val="dk1"/>
+          <a:lnRef idx="2">
+            <a:schemeClr val="accent3"/>
           </a:lnRef>
           <a:fillRef idx="0">
-            <a:schemeClr val="dk1"/>
+            <a:schemeClr val="accent3"/>
           </a:fillRef>
-          <a:effectRef idx="0">
-            <a:schemeClr val="dk1"/>
+          <a:effectRef idx="1">
+            <a:schemeClr val="accent3"/>
           </a:effectRef>
           <a:fontRef idx="minor">
             <a:schemeClr val="tx1"/>
@@ -15640,14 +15538,14 @@
           </a:ln>
         </p:spPr>
         <p:style>
-          <a:lnRef idx="1">
-            <a:schemeClr val="dk1"/>
+          <a:lnRef idx="2">
+            <a:schemeClr val="accent3"/>
           </a:lnRef>
           <a:fillRef idx="0">
-            <a:schemeClr val="dk1"/>
+            <a:schemeClr val="accent3"/>
           </a:fillRef>
-          <a:effectRef idx="0">
-            <a:schemeClr val="dk1"/>
+          <a:effectRef idx="1">
+            <a:schemeClr val="accent3"/>
           </a:effectRef>
           <a:fontRef idx="minor">
             <a:schemeClr val="tx1"/>

--- a/FINAL REPORT/CIS434 Project Presentation.pptx
+++ b/FINAL REPORT/CIS434 Project Presentation.pptx
@@ -13407,7 +13407,7 @@
                             </p:stCondLst>
                             <p:childTnLst>
                               <p:par>
-                                <p:cTn id="53" presetID="2" presetClass="entr" presetSubtype="4" fill="hold" nodeType="clickEffect">
+                                <p:cTn id="53" presetID="2" presetClass="entr" presetSubtype="4" fill="hold" grpId="0" nodeType="clickEffect">
                                   <p:stCondLst>
                                     <p:cond delay="0"/>
                                   </p:stCondLst>
@@ -13420,11 +13420,7 @@
                                           </p:stCondLst>
                                         </p:cTn>
                                         <p:tgtEl>
-                                          <p:spTgt spid="30">
-                                            <p:txEl>
-                                              <p:pRg st="0" end="0"/>
-                                            </p:txEl>
-                                          </p:spTgt>
+                                          <p:spTgt spid="30"/>
                                         </p:tgtEl>
                                         <p:attrNameLst>
                                           <p:attrName>style.visibility</p:attrName>
@@ -13438,11 +13434,7 @@
                                       <p:cBhvr additive="base">
                                         <p:cTn id="55" dur="500" fill="hold"/>
                                         <p:tgtEl>
-                                          <p:spTgt spid="30">
-                                            <p:txEl>
-                                              <p:pRg st="0" end="0"/>
-                                            </p:txEl>
-                                          </p:spTgt>
+                                          <p:spTgt spid="30"/>
                                         </p:tgtEl>
                                         <p:attrNameLst>
                                           <p:attrName>ppt_x</p:attrName>
@@ -13465,11 +13457,7 @@
                                       <p:cBhvr additive="base">
                                         <p:cTn id="56" dur="500" fill="hold"/>
                                         <p:tgtEl>
-                                          <p:spTgt spid="30">
-                                            <p:txEl>
-                                              <p:pRg st="0" end="0"/>
-                                            </p:txEl>
-                                          </p:spTgt>
+                                          <p:spTgt spid="30"/>
                                         </p:tgtEl>
                                         <p:attrNameLst>
                                           <p:attrName>ppt_y</p:attrName>
@@ -13510,7 +13498,7 @@
                             </p:stCondLst>
                             <p:childTnLst>
                               <p:par>
-                                <p:cTn id="59" presetID="2" presetClass="entr" presetSubtype="4" fill="hold" nodeType="clickEffect">
+                                <p:cTn id="59" presetID="10" presetClass="entr" presetSubtype="0" fill="hold" nodeType="clickEffect">
                                   <p:stCondLst>
                                     <p:cond delay="0"/>
                                   </p:stCondLst>
@@ -13523,11 +13511,130 @@
                                           </p:stCondLst>
                                         </p:cTn>
                                         <p:tgtEl>
-                                          <p:spTgt spid="30">
-                                            <p:txEl>
-                                              <p:pRg st="1" end="1"/>
-                                            </p:txEl>
-                                          </p:spTgt>
+                                          <p:spTgt spid="20"/>
+                                        </p:tgtEl>
+                                        <p:attrNameLst>
+                                          <p:attrName>style.visibility</p:attrName>
+                                        </p:attrNameLst>
+                                      </p:cBhvr>
+                                      <p:to>
+                                        <p:strVal val="visible"/>
+                                      </p:to>
+                                    </p:set>
+                                    <p:animEffect transition="in" filter="fade">
+                                      <p:cBhvr>
+                                        <p:cTn id="61" dur="500"/>
+                                        <p:tgtEl>
+                                          <p:spTgt spid="20"/>
+                                        </p:tgtEl>
+                                      </p:cBhvr>
+                                    </p:animEffect>
+                                  </p:childTnLst>
+                                </p:cTn>
+                              </p:par>
+                              <p:par>
+                                <p:cTn id="62" presetID="10" presetClass="entr" presetSubtype="0" fill="hold" grpId="0" nodeType="withEffect">
+                                  <p:stCondLst>
+                                    <p:cond delay="0"/>
+                                  </p:stCondLst>
+                                  <p:childTnLst>
+                                    <p:set>
+                                      <p:cBhvr>
+                                        <p:cTn id="63" dur="1" fill="hold">
+                                          <p:stCondLst>
+                                            <p:cond delay="0"/>
+                                          </p:stCondLst>
+                                        </p:cTn>
+                                        <p:tgtEl>
+                                          <p:spTgt spid="21"/>
+                                        </p:tgtEl>
+                                        <p:attrNameLst>
+                                          <p:attrName>style.visibility</p:attrName>
+                                        </p:attrNameLst>
+                                      </p:cBhvr>
+                                      <p:to>
+                                        <p:strVal val="visible"/>
+                                      </p:to>
+                                    </p:set>
+                                    <p:animEffect transition="in" filter="fade">
+                                      <p:cBhvr>
+                                        <p:cTn id="64" dur="500"/>
+                                        <p:tgtEl>
+                                          <p:spTgt spid="21"/>
+                                        </p:tgtEl>
+                                      </p:cBhvr>
+                                    </p:animEffect>
+                                  </p:childTnLst>
+                                </p:cTn>
+                              </p:par>
+                              <p:par>
+                                <p:cTn id="65" presetID="10" presetClass="entr" presetSubtype="0" fill="hold" grpId="0" nodeType="withEffect">
+                                  <p:stCondLst>
+                                    <p:cond delay="0"/>
+                                  </p:stCondLst>
+                                  <p:childTnLst>
+                                    <p:set>
+                                      <p:cBhvr>
+                                        <p:cTn id="66" dur="1" fill="hold">
+                                          <p:stCondLst>
+                                            <p:cond delay="0"/>
+                                          </p:stCondLst>
+                                        </p:cTn>
+                                        <p:tgtEl>
+                                          <p:spTgt spid="23"/>
+                                        </p:tgtEl>
+                                        <p:attrNameLst>
+                                          <p:attrName>style.visibility</p:attrName>
+                                        </p:attrNameLst>
+                                      </p:cBhvr>
+                                      <p:to>
+                                        <p:strVal val="visible"/>
+                                      </p:to>
+                                    </p:set>
+                                    <p:animEffect transition="in" filter="fade">
+                                      <p:cBhvr>
+                                        <p:cTn id="67" dur="500"/>
+                                        <p:tgtEl>
+                                          <p:spTgt spid="23"/>
+                                        </p:tgtEl>
+                                      </p:cBhvr>
+                                    </p:animEffect>
+                                  </p:childTnLst>
+                                </p:cTn>
+                              </p:par>
+                            </p:childTnLst>
+                          </p:cTn>
+                        </p:par>
+                      </p:childTnLst>
+                    </p:cTn>
+                  </p:par>
+                  <p:par>
+                    <p:cTn id="68" fill="hold">
+                      <p:stCondLst>
+                        <p:cond delay="indefinite"/>
+                      </p:stCondLst>
+                      <p:childTnLst>
+                        <p:par>
+                          <p:cTn id="69" fill="hold">
+                            <p:stCondLst>
+                              <p:cond delay="0"/>
+                            </p:stCondLst>
+                            <p:childTnLst>
+                              <p:par>
+                                <p:cTn id="70" presetID="2" presetClass="entr" presetSubtype="4" fill="hold" grpId="0" nodeType="clickEffect">
+                                  <p:stCondLst>
+                                    <p:cond delay="0"/>
+                                  </p:stCondLst>
+                                  <p:childTnLst>
+                                    <p:set>
+                                      <p:cBhvr>
+                                        <p:cTn id="71" dur="1" fill="hold">
+                                          <p:stCondLst>
+                                            <p:cond delay="0"/>
+                                          </p:stCondLst>
+                                        </p:cTn>
+                                        <p:tgtEl>
+                                          <p:spTgt spid="31"/>
                                         </p:tgtEl>
                                         <p:attrNameLst>
                                           <p:attrName>style.visibility</p:attrName>
@@ -13539,13 +13646,9 @@
                                     </p:set>
                                     <p:anim calcmode="lin" valueType="num">
                                       <p:cBhvr additive="base">
-                                        <p:cTn id="61" dur="500" fill="hold"/>
-                                        <p:tgtEl>
-                                          <p:spTgt spid="30">
-                                            <p:txEl>
-                                              <p:pRg st="1" end="1"/>
-                                            </p:txEl>
-                                          </p:spTgt>
+                                        <p:cTn id="72" dur="500" fill="hold"/>
+                                        <p:tgtEl>
+                                          <p:spTgt spid="31"/>
                                         </p:tgtEl>
                                         <p:attrNameLst>
                                           <p:attrName>ppt_x</p:attrName>
@@ -13566,225 +13669,7 @@
                                     </p:anim>
                                     <p:anim calcmode="lin" valueType="num">
                                       <p:cBhvr additive="base">
-                                        <p:cTn id="62" dur="500" fill="hold"/>
-                                        <p:tgtEl>
-                                          <p:spTgt spid="30">
-                                            <p:txEl>
-                                              <p:pRg st="1" end="1"/>
-                                            </p:txEl>
-                                          </p:spTgt>
-                                        </p:tgtEl>
-                                        <p:attrNameLst>
-                                          <p:attrName>ppt_y</p:attrName>
-                                        </p:attrNameLst>
-                                      </p:cBhvr>
-                                      <p:tavLst>
-                                        <p:tav tm="0">
-                                          <p:val>
-                                            <p:strVal val="1+#ppt_h/2"/>
-                                          </p:val>
-                                        </p:tav>
-                                        <p:tav tm="100000">
-                                          <p:val>
-                                            <p:strVal val="#ppt_y"/>
-                                          </p:val>
-                                        </p:tav>
-                                      </p:tavLst>
-                                    </p:anim>
-                                  </p:childTnLst>
-                                </p:cTn>
-                              </p:par>
-                            </p:childTnLst>
-                          </p:cTn>
-                        </p:par>
-                      </p:childTnLst>
-                    </p:cTn>
-                  </p:par>
-                  <p:par>
-                    <p:cTn id="63" fill="hold">
-                      <p:stCondLst>
-                        <p:cond delay="indefinite"/>
-                      </p:stCondLst>
-                      <p:childTnLst>
-                        <p:par>
-                          <p:cTn id="64" fill="hold">
-                            <p:stCondLst>
-                              <p:cond delay="0"/>
-                            </p:stCondLst>
-                            <p:childTnLst>
-                              <p:par>
-                                <p:cTn id="65" presetID="10" presetClass="entr" presetSubtype="0" fill="hold" nodeType="clickEffect">
-                                  <p:stCondLst>
-                                    <p:cond delay="0"/>
-                                  </p:stCondLst>
-                                  <p:childTnLst>
-                                    <p:set>
-                                      <p:cBhvr>
-                                        <p:cTn id="66" dur="1" fill="hold">
-                                          <p:stCondLst>
-                                            <p:cond delay="0"/>
-                                          </p:stCondLst>
-                                        </p:cTn>
-                                        <p:tgtEl>
-                                          <p:spTgt spid="20"/>
-                                        </p:tgtEl>
-                                        <p:attrNameLst>
-                                          <p:attrName>style.visibility</p:attrName>
-                                        </p:attrNameLst>
-                                      </p:cBhvr>
-                                      <p:to>
-                                        <p:strVal val="visible"/>
-                                      </p:to>
-                                    </p:set>
-                                    <p:animEffect transition="in" filter="fade">
-                                      <p:cBhvr>
-                                        <p:cTn id="67" dur="500"/>
-                                        <p:tgtEl>
-                                          <p:spTgt spid="20"/>
-                                        </p:tgtEl>
-                                      </p:cBhvr>
-                                    </p:animEffect>
-                                  </p:childTnLst>
-                                </p:cTn>
-                              </p:par>
-                              <p:par>
-                                <p:cTn id="68" presetID="10" presetClass="entr" presetSubtype="0" fill="hold" grpId="0" nodeType="withEffect">
-                                  <p:stCondLst>
-                                    <p:cond delay="0"/>
-                                  </p:stCondLst>
-                                  <p:childTnLst>
-                                    <p:set>
-                                      <p:cBhvr>
-                                        <p:cTn id="69" dur="1" fill="hold">
-                                          <p:stCondLst>
-                                            <p:cond delay="0"/>
-                                          </p:stCondLst>
-                                        </p:cTn>
-                                        <p:tgtEl>
-                                          <p:spTgt spid="21"/>
-                                        </p:tgtEl>
-                                        <p:attrNameLst>
-                                          <p:attrName>style.visibility</p:attrName>
-                                        </p:attrNameLst>
-                                      </p:cBhvr>
-                                      <p:to>
-                                        <p:strVal val="visible"/>
-                                      </p:to>
-                                    </p:set>
-                                    <p:animEffect transition="in" filter="fade">
-                                      <p:cBhvr>
-                                        <p:cTn id="70" dur="500"/>
-                                        <p:tgtEl>
-                                          <p:spTgt spid="21"/>
-                                        </p:tgtEl>
-                                      </p:cBhvr>
-                                    </p:animEffect>
-                                  </p:childTnLst>
-                                </p:cTn>
-                              </p:par>
-                              <p:par>
-                                <p:cTn id="71" presetID="10" presetClass="entr" presetSubtype="0" fill="hold" grpId="0" nodeType="withEffect">
-                                  <p:stCondLst>
-                                    <p:cond delay="0"/>
-                                  </p:stCondLst>
-                                  <p:childTnLst>
-                                    <p:set>
-                                      <p:cBhvr>
-                                        <p:cTn id="72" dur="1" fill="hold">
-                                          <p:stCondLst>
-                                            <p:cond delay="0"/>
-                                          </p:stCondLst>
-                                        </p:cTn>
-                                        <p:tgtEl>
-                                          <p:spTgt spid="23"/>
-                                        </p:tgtEl>
-                                        <p:attrNameLst>
-                                          <p:attrName>style.visibility</p:attrName>
-                                        </p:attrNameLst>
-                                      </p:cBhvr>
-                                      <p:to>
-                                        <p:strVal val="visible"/>
-                                      </p:to>
-                                    </p:set>
-                                    <p:animEffect transition="in" filter="fade">
-                                      <p:cBhvr>
-                                        <p:cTn id="73" dur="500"/>
-                                        <p:tgtEl>
-                                          <p:spTgt spid="23"/>
-                                        </p:tgtEl>
-                                      </p:cBhvr>
-                                    </p:animEffect>
-                                  </p:childTnLst>
-                                </p:cTn>
-                              </p:par>
-                            </p:childTnLst>
-                          </p:cTn>
-                        </p:par>
-                      </p:childTnLst>
-                    </p:cTn>
-                  </p:par>
-                  <p:par>
-                    <p:cTn id="74" fill="hold">
-                      <p:stCondLst>
-                        <p:cond delay="indefinite"/>
-                      </p:stCondLst>
-                      <p:childTnLst>
-                        <p:par>
-                          <p:cTn id="75" fill="hold">
-                            <p:stCondLst>
-                              <p:cond delay="0"/>
-                            </p:stCondLst>
-                            <p:childTnLst>
-                              <p:par>
-                                <p:cTn id="76" presetID="2" presetClass="entr" presetSubtype="4" fill="hold" grpId="0" nodeType="clickEffect">
-                                  <p:stCondLst>
-                                    <p:cond delay="0"/>
-                                  </p:stCondLst>
-                                  <p:childTnLst>
-                                    <p:set>
-                                      <p:cBhvr>
-                                        <p:cTn id="77" dur="1" fill="hold">
-                                          <p:stCondLst>
-                                            <p:cond delay="0"/>
-                                          </p:stCondLst>
-                                        </p:cTn>
-                                        <p:tgtEl>
-                                          <p:spTgt spid="31"/>
-                                        </p:tgtEl>
-                                        <p:attrNameLst>
-                                          <p:attrName>style.visibility</p:attrName>
-                                        </p:attrNameLst>
-                                      </p:cBhvr>
-                                      <p:to>
-                                        <p:strVal val="visible"/>
-                                      </p:to>
-                                    </p:set>
-                                    <p:anim calcmode="lin" valueType="num">
-                                      <p:cBhvr additive="base">
-                                        <p:cTn id="78" dur="500" fill="hold"/>
-                                        <p:tgtEl>
-                                          <p:spTgt spid="31"/>
-                                        </p:tgtEl>
-                                        <p:attrNameLst>
-                                          <p:attrName>ppt_x</p:attrName>
-                                        </p:attrNameLst>
-                                      </p:cBhvr>
-                                      <p:tavLst>
-                                        <p:tav tm="0">
-                                          <p:val>
-                                            <p:strVal val="#ppt_x"/>
-                                          </p:val>
-                                        </p:tav>
-                                        <p:tav tm="100000">
-                                          <p:val>
-                                            <p:strVal val="#ppt_x"/>
-                                          </p:val>
-                                        </p:tav>
-                                      </p:tavLst>
-                                    </p:anim>
-                                    <p:anim calcmode="lin" valueType="num">
-                                      <p:cBhvr additive="base">
-                                        <p:cTn id="79" dur="500" fill="hold"/>
+                                        <p:cTn id="73" dur="500" fill="hold"/>
                                         <p:tgtEl>
                                           <p:spTgt spid="31"/>
                                         </p:tgtEl>
@@ -13847,6 +13732,7 @@
       <p:bldP spid="23" grpId="0"/>
       <p:bldP spid="24" grpId="0"/>
       <p:bldP spid="26" grpId="0"/>
+      <p:bldP spid="30" grpId="0"/>
       <p:bldP spid="31" grpId="0"/>
     </p:bldLst>
   </p:timing>

--- a/FINAL REPORT/CIS434 Project Presentation.pptx
+++ b/FINAL REPORT/CIS434 Project Presentation.pptx
@@ -12596,7 +12596,7 @@
         <p:spPr>
           <a:xfrm>
             <a:off x="4232635" y="3613666"/>
-            <a:ext cx="3242820" cy="1477328"/>
+            <a:ext cx="3242820" cy="2308324"/>
           </a:xfrm>
           <a:prstGeom prst="rect">
             <a:avLst/>
@@ -12631,6 +12631,15 @@
               <a:rPr lang="en-US" dirty="0"/>
               <a:t>+ Custom match setup</a:t>
             </a:r>
+          </a:p>
+          <a:p>
+            <a:r>
+              <a:rPr lang="en-US" dirty="0"/>
+              <a:t>+ Computer Turn Selection screen</a:t>
+            </a:r>
+          </a:p>
+          <a:p>
+            <a:endParaRPr lang="en-US" dirty="0"/>
           </a:p>
         </p:txBody>
       </p:sp>
@@ -12649,7 +12658,7 @@
         <p:spPr>
           <a:xfrm>
             <a:off x="7475455" y="3613666"/>
-            <a:ext cx="2507531" cy="1200329"/>
+            <a:ext cx="2599723" cy="1754326"/>
           </a:xfrm>
           <a:prstGeom prst="rect">
             <a:avLst/>
@@ -12664,14 +12673,17 @@
           <a:p>
             <a:r>
               <a:rPr lang="en-US" dirty="0"/>
-              <a:t>+ Computer given option to go first</a:t>
+              <a:t>+ Bugs addressed in computer turn selection</a:t>
             </a:r>
           </a:p>
           <a:p>
             <a:r>
               <a:rPr lang="en-US" dirty="0"/>
-              <a:t>+ Computer Turn Selection screen</a:t>
-            </a:r>
+              <a:t>+Smart AI move hierarchy established</a:t>
+            </a:r>
+          </a:p>
+          <a:p>
+            <a:endParaRPr lang="en-US" dirty="0"/>
           </a:p>
         </p:txBody>
       </p:sp>
